--- a/cem-hoca/Slayt/1. Hafta - Giriş Kütüphaneler.pptx
+++ b/cem-hoca/Slayt/1. Hafta - Giriş Kütüphaneler.pptx
@@ -725,7 +725,7 @@
           </a:lstStyle>
           <a:p>
             <a:r>
-              <a:rPr lang="tr-TR" smtClean="0"/>
+              <a:rPr lang="tr-TR"/>
               <a:t>Asıl başlık stili için tıklatın</a:t>
             </a:r>
             <a:endParaRPr lang="en-US" dirty="0"/>
@@ -845,7 +845,7 @@
           </a:lstStyle>
           <a:p>
             <a:r>
-              <a:rPr lang="tr-TR" smtClean="0"/>
+              <a:rPr lang="tr-TR"/>
               <a:t>Asıl alt başlık stilini düzenlemek için tıklayın</a:t>
             </a:r>
             <a:endParaRPr lang="en-US" dirty="0"/>
@@ -869,7 +869,7 @@
           <a:p>
             <a:fld id="{52477F81-9B68-4C40-859A-7099B95DAB27}" type="datetimeFigureOut">
               <a:rPr lang="tr-TR" smtClean="0"/>
-              <a:t>23.02.2022</a:t>
+              <a:t>2.07.2024</a:t>
             </a:fld>
             <a:endParaRPr lang="tr-TR"/>
           </a:p>
@@ -974,7 +974,7 @@
           </a:lstStyle>
           <a:p>
             <a:r>
-              <a:rPr lang="tr-TR" smtClean="0"/>
+              <a:rPr lang="tr-TR"/>
               <a:t>Asıl başlık stili için tıklatın</a:t>
             </a:r>
             <a:endParaRPr lang="en-US" dirty="0"/>
@@ -1097,7 +1097,7 @@
           <a:p>
             <a:pPr lvl="0"/>
             <a:r>
-              <a:rPr lang="tr-TR" smtClean="0"/>
+              <a:rPr lang="tr-TR"/>
               <a:t>Asıl metin stillerini düzenle</a:t>
             </a:r>
           </a:p>
@@ -1120,7 +1120,7 @@
           <a:p>
             <a:fld id="{52477F81-9B68-4C40-859A-7099B95DAB27}" type="datetimeFigureOut">
               <a:rPr lang="tr-TR" smtClean="0"/>
-              <a:t>23.02.2022</a:t>
+              <a:t>2.07.2024</a:t>
             </a:fld>
             <a:endParaRPr lang="tr-TR"/>
           </a:p>
@@ -1225,7 +1225,7 @@
           </a:lstStyle>
           <a:p>
             <a:r>
-              <a:rPr lang="tr-TR" smtClean="0"/>
+              <a:rPr lang="tr-TR"/>
               <a:t>Asıl başlık stili için tıklatın</a:t>
             </a:r>
             <a:endParaRPr lang="en-US" dirty="0"/>
@@ -1289,7 +1289,7 @@
           <a:p>
             <a:pPr lvl="0"/>
             <a:r>
-              <a:rPr lang="tr-TR" smtClean="0"/>
+              <a:rPr lang="tr-TR"/>
               <a:t>Asıl metin stillerini düzenle</a:t>
             </a:r>
           </a:p>
@@ -1411,7 +1411,7 @@
           <a:p>
             <a:pPr lvl="0"/>
             <a:r>
-              <a:rPr lang="tr-TR" smtClean="0"/>
+              <a:rPr lang="tr-TR"/>
               <a:t>Asıl metin stillerini düzenle</a:t>
             </a:r>
           </a:p>
@@ -1434,7 +1434,7 @@
           <a:p>
             <a:fld id="{52477F81-9B68-4C40-859A-7099B95DAB27}" type="datetimeFigureOut">
               <a:rPr lang="tr-TR" smtClean="0"/>
-              <a:t>23.02.2022</a:t>
+              <a:t>2.07.2024</a:t>
             </a:fld>
             <a:endParaRPr lang="tr-TR"/>
           </a:p>
@@ -1629,7 +1629,7 @@
           </a:lstStyle>
           <a:p>
             <a:r>
-              <a:rPr lang="tr-TR" smtClean="0"/>
+              <a:rPr lang="tr-TR"/>
               <a:t>Asıl başlık stili için tıklatın</a:t>
             </a:r>
             <a:endParaRPr lang="en-US" dirty="0"/>
@@ -1752,7 +1752,7 @@
           <a:p>
             <a:pPr lvl="0"/>
             <a:r>
-              <a:rPr lang="tr-TR" smtClean="0"/>
+              <a:rPr lang="tr-TR"/>
               <a:t>Asıl metin stillerini düzenle</a:t>
             </a:r>
           </a:p>
@@ -1775,7 +1775,7 @@
           <a:p>
             <a:fld id="{52477F81-9B68-4C40-859A-7099B95DAB27}" type="datetimeFigureOut">
               <a:rPr lang="tr-TR" smtClean="0"/>
-              <a:t>23.02.2022</a:t>
+              <a:t>2.07.2024</a:t>
             </a:fld>
             <a:endParaRPr lang="tr-TR"/>
           </a:p>
@@ -1880,7 +1880,7 @@
           </a:lstStyle>
           <a:p>
             <a:r>
-              <a:rPr lang="tr-TR" smtClean="0"/>
+              <a:rPr lang="tr-TR"/>
               <a:t>Asıl başlık stili için tıklatın</a:t>
             </a:r>
             <a:endParaRPr lang="en-US" dirty="0"/>
@@ -1944,7 +1944,7 @@
           <a:p>
             <a:pPr lvl="0"/>
             <a:r>
-              <a:rPr lang="tr-TR" smtClean="0"/>
+              <a:rPr lang="tr-TR"/>
               <a:t>Asıl metin stillerini düzenle</a:t>
             </a:r>
           </a:p>
@@ -2066,7 +2066,7 @@
           <a:p>
             <a:pPr lvl="0"/>
             <a:r>
-              <a:rPr lang="tr-TR" smtClean="0"/>
+              <a:rPr lang="tr-TR"/>
               <a:t>Asıl metin stillerini düzenle</a:t>
             </a:r>
           </a:p>
@@ -2089,7 +2089,7 @@
           <a:p>
             <a:fld id="{52477F81-9B68-4C40-859A-7099B95DAB27}" type="datetimeFigureOut">
               <a:rPr lang="tr-TR" smtClean="0"/>
-              <a:t>23.02.2022</a:t>
+              <a:t>2.07.2024</a:t>
             </a:fld>
             <a:endParaRPr lang="tr-TR"/>
           </a:p>
@@ -2276,7 +2276,7 @@
           </a:lstStyle>
           <a:p>
             <a:r>
-              <a:rPr lang="tr-TR" smtClean="0"/>
+              <a:rPr lang="tr-TR"/>
               <a:t>Asıl başlık stili için tıklatın</a:t>
             </a:r>
             <a:endParaRPr lang="en-US" dirty="0"/>
@@ -2337,7 +2337,7 @@
           <a:p>
             <a:pPr lvl="0"/>
             <a:r>
-              <a:rPr lang="tr-TR" smtClean="0"/>
+              <a:rPr lang="tr-TR"/>
               <a:t>Asıl metin stillerini düzenle</a:t>
             </a:r>
           </a:p>
@@ -2459,7 +2459,7 @@
           <a:p>
             <a:pPr lvl="0"/>
             <a:r>
-              <a:rPr lang="tr-TR" smtClean="0"/>
+              <a:rPr lang="tr-TR"/>
               <a:t>Asıl metin stillerini düzenle</a:t>
             </a:r>
           </a:p>
@@ -2482,7 +2482,7 @@
           <a:p>
             <a:fld id="{52477F81-9B68-4C40-859A-7099B95DAB27}" type="datetimeFigureOut">
               <a:rPr lang="tr-TR" smtClean="0"/>
-              <a:t>23.02.2022</a:t>
+              <a:t>2.07.2024</a:t>
             </a:fld>
             <a:endParaRPr lang="tr-TR"/>
           </a:p>
@@ -2576,7 +2576,7 @@
           <a:lstStyle/>
           <a:p>
             <a:r>
-              <a:rPr lang="tr-TR" smtClean="0"/>
+              <a:rPr lang="tr-TR"/>
               <a:t>Asıl başlık stili için tıklatın</a:t>
             </a:r>
             <a:endParaRPr lang="en-US" dirty="0"/>
@@ -2600,35 +2600,35 @@
           <a:p>
             <a:pPr lvl="0"/>
             <a:r>
-              <a:rPr lang="tr-TR" smtClean="0"/>
+              <a:rPr lang="tr-TR"/>
               <a:t>Asıl metin stillerini düzenle</a:t>
             </a:r>
           </a:p>
           <a:p>
             <a:pPr lvl="1"/>
             <a:r>
-              <a:rPr lang="tr-TR" smtClean="0"/>
+              <a:rPr lang="tr-TR"/>
               <a:t>İkinci düzey</a:t>
             </a:r>
           </a:p>
           <a:p>
             <a:pPr lvl="2"/>
             <a:r>
-              <a:rPr lang="tr-TR" smtClean="0"/>
+              <a:rPr lang="tr-TR"/>
               <a:t>Üçüncü düzey</a:t>
             </a:r>
           </a:p>
           <a:p>
             <a:pPr lvl="3"/>
             <a:r>
-              <a:rPr lang="tr-TR" smtClean="0"/>
+              <a:rPr lang="tr-TR"/>
               <a:t>Dördüncü düzey</a:t>
             </a:r>
           </a:p>
           <a:p>
             <a:pPr lvl="4"/>
             <a:r>
-              <a:rPr lang="tr-TR" smtClean="0"/>
+              <a:rPr lang="tr-TR"/>
               <a:t>Beşinci düzey</a:t>
             </a:r>
             <a:endParaRPr lang="en-US" dirty="0"/>
@@ -2652,7 +2652,7 @@
           <a:p>
             <a:fld id="{52477F81-9B68-4C40-859A-7099B95DAB27}" type="datetimeFigureOut">
               <a:rPr lang="tr-TR" smtClean="0"/>
-              <a:t>23.02.2022</a:t>
+              <a:t>2.07.2024</a:t>
             </a:fld>
             <a:endParaRPr lang="tr-TR"/>
           </a:p>
@@ -2751,7 +2751,7 @@
           <a:lstStyle/>
           <a:p>
             <a:r>
-              <a:rPr lang="tr-TR" smtClean="0"/>
+              <a:rPr lang="tr-TR"/>
               <a:t>Asıl başlık stili için tıklatın</a:t>
             </a:r>
             <a:endParaRPr lang="en-US" dirty="0"/>
@@ -2780,35 +2780,35 @@
           <a:p>
             <a:pPr lvl="0"/>
             <a:r>
-              <a:rPr lang="tr-TR" smtClean="0"/>
+              <a:rPr lang="tr-TR"/>
               <a:t>Asıl metin stillerini düzenle</a:t>
             </a:r>
           </a:p>
           <a:p>
             <a:pPr lvl="1"/>
             <a:r>
-              <a:rPr lang="tr-TR" smtClean="0"/>
+              <a:rPr lang="tr-TR"/>
               <a:t>İkinci düzey</a:t>
             </a:r>
           </a:p>
           <a:p>
             <a:pPr lvl="2"/>
             <a:r>
-              <a:rPr lang="tr-TR" smtClean="0"/>
+              <a:rPr lang="tr-TR"/>
               <a:t>Üçüncü düzey</a:t>
             </a:r>
           </a:p>
           <a:p>
             <a:pPr lvl="3"/>
             <a:r>
-              <a:rPr lang="tr-TR" smtClean="0"/>
+              <a:rPr lang="tr-TR"/>
               <a:t>Dördüncü düzey</a:t>
             </a:r>
           </a:p>
           <a:p>
             <a:pPr lvl="4"/>
             <a:r>
-              <a:rPr lang="tr-TR" smtClean="0"/>
+              <a:rPr lang="tr-TR"/>
               <a:t>Beşinci düzey</a:t>
             </a:r>
             <a:endParaRPr lang="en-US" dirty="0"/>
@@ -2832,7 +2832,7 @@
           <a:p>
             <a:fld id="{52477F81-9B68-4C40-859A-7099B95DAB27}" type="datetimeFigureOut">
               <a:rPr lang="tr-TR" smtClean="0"/>
-              <a:t>23.02.2022</a:t>
+              <a:t>2.07.2024</a:t>
             </a:fld>
             <a:endParaRPr lang="tr-TR"/>
           </a:p>
@@ -2932,7 +2932,7 @@
           </a:lstStyle>
           <a:p>
             <a:r>
-              <a:rPr lang="tr-TR" smtClean="0"/>
+              <a:rPr lang="tr-TR"/>
               <a:t>Asıl başlık stili için tıklatın</a:t>
             </a:r>
             <a:endParaRPr lang="en-US" dirty="0"/>
@@ -2956,35 +2956,35 @@
           <a:p>
             <a:pPr lvl="0"/>
             <a:r>
-              <a:rPr lang="tr-TR" smtClean="0"/>
+              <a:rPr lang="tr-TR"/>
               <a:t>Asıl metin stillerini düzenle</a:t>
             </a:r>
           </a:p>
           <a:p>
             <a:pPr lvl="1"/>
             <a:r>
-              <a:rPr lang="tr-TR" smtClean="0"/>
+              <a:rPr lang="tr-TR"/>
               <a:t>İkinci düzey</a:t>
             </a:r>
           </a:p>
           <a:p>
             <a:pPr lvl="2"/>
             <a:r>
-              <a:rPr lang="tr-TR" smtClean="0"/>
+              <a:rPr lang="tr-TR"/>
               <a:t>Üçüncü düzey</a:t>
             </a:r>
           </a:p>
           <a:p>
             <a:pPr lvl="3"/>
             <a:r>
-              <a:rPr lang="tr-TR" smtClean="0"/>
+              <a:rPr lang="tr-TR"/>
               <a:t>Dördüncü düzey</a:t>
             </a:r>
           </a:p>
           <a:p>
             <a:pPr lvl="4"/>
             <a:r>
-              <a:rPr lang="tr-TR" smtClean="0"/>
+              <a:rPr lang="tr-TR"/>
               <a:t>Beşinci düzey</a:t>
             </a:r>
             <a:endParaRPr lang="en-US" dirty="0"/>
@@ -3008,7 +3008,7 @@
           <a:p>
             <a:fld id="{52477F81-9B68-4C40-859A-7099B95DAB27}" type="datetimeFigureOut">
               <a:rPr lang="tr-TR" smtClean="0"/>
-              <a:t>23.02.2022</a:t>
+              <a:t>2.07.2024</a:t>
             </a:fld>
             <a:endParaRPr lang="tr-TR"/>
           </a:p>
@@ -3111,7 +3111,7 @@
           </a:lstStyle>
           <a:p>
             <a:r>
-              <a:rPr lang="tr-TR" smtClean="0"/>
+              <a:rPr lang="tr-TR"/>
               <a:t>Asıl başlık stili için tıklatın</a:t>
             </a:r>
             <a:endParaRPr lang="en-US" dirty="0"/>
@@ -3232,7 +3232,7 @@
           <a:p>
             <a:pPr lvl="0"/>
             <a:r>
-              <a:rPr lang="tr-TR" smtClean="0"/>
+              <a:rPr lang="tr-TR"/>
               <a:t>Asıl metin stillerini düzenle</a:t>
             </a:r>
           </a:p>
@@ -3255,7 +3255,7 @@
           <a:p>
             <a:fld id="{52477F81-9B68-4C40-859A-7099B95DAB27}" type="datetimeFigureOut">
               <a:rPr lang="tr-TR" smtClean="0"/>
-              <a:t>23.02.2022</a:t>
+              <a:t>2.07.2024</a:t>
             </a:fld>
             <a:endParaRPr lang="tr-TR"/>
           </a:p>
@@ -3349,7 +3349,7 @@
           <a:lstStyle/>
           <a:p>
             <a:r>
-              <a:rPr lang="tr-TR" smtClean="0"/>
+              <a:rPr lang="tr-TR"/>
               <a:t>Asıl başlık stili için tıklatın</a:t>
             </a:r>
             <a:endParaRPr lang="en-US" dirty="0"/>
@@ -3378,35 +3378,35 @@
           <a:p>
             <a:pPr lvl="0"/>
             <a:r>
-              <a:rPr lang="tr-TR" smtClean="0"/>
+              <a:rPr lang="tr-TR"/>
               <a:t>Asıl metin stillerini düzenle</a:t>
             </a:r>
           </a:p>
           <a:p>
             <a:pPr lvl="1"/>
             <a:r>
-              <a:rPr lang="tr-TR" smtClean="0"/>
+              <a:rPr lang="tr-TR"/>
               <a:t>İkinci düzey</a:t>
             </a:r>
           </a:p>
           <a:p>
             <a:pPr lvl="2"/>
             <a:r>
-              <a:rPr lang="tr-TR" smtClean="0"/>
+              <a:rPr lang="tr-TR"/>
               <a:t>Üçüncü düzey</a:t>
             </a:r>
           </a:p>
           <a:p>
             <a:pPr lvl="3"/>
             <a:r>
-              <a:rPr lang="tr-TR" smtClean="0"/>
+              <a:rPr lang="tr-TR"/>
               <a:t>Dördüncü düzey</a:t>
             </a:r>
           </a:p>
           <a:p>
             <a:pPr lvl="4"/>
             <a:r>
-              <a:rPr lang="tr-TR" smtClean="0"/>
+              <a:rPr lang="tr-TR"/>
               <a:t>Beşinci düzey</a:t>
             </a:r>
             <a:endParaRPr lang="en-US" dirty="0"/>
@@ -3435,35 +3435,35 @@
           <a:p>
             <a:pPr lvl="0"/>
             <a:r>
-              <a:rPr lang="tr-TR" smtClean="0"/>
+              <a:rPr lang="tr-TR"/>
               <a:t>Asıl metin stillerini düzenle</a:t>
             </a:r>
           </a:p>
           <a:p>
             <a:pPr lvl="1"/>
             <a:r>
-              <a:rPr lang="tr-TR" smtClean="0"/>
+              <a:rPr lang="tr-TR"/>
               <a:t>İkinci düzey</a:t>
             </a:r>
           </a:p>
           <a:p>
             <a:pPr lvl="2"/>
             <a:r>
-              <a:rPr lang="tr-TR" smtClean="0"/>
+              <a:rPr lang="tr-TR"/>
               <a:t>Üçüncü düzey</a:t>
             </a:r>
           </a:p>
           <a:p>
             <a:pPr lvl="3"/>
             <a:r>
-              <a:rPr lang="tr-TR" smtClean="0"/>
+              <a:rPr lang="tr-TR"/>
               <a:t>Dördüncü düzey</a:t>
             </a:r>
           </a:p>
           <a:p>
             <a:pPr lvl="4"/>
             <a:r>
-              <a:rPr lang="tr-TR" smtClean="0"/>
+              <a:rPr lang="tr-TR"/>
               <a:t>Beşinci düzey</a:t>
             </a:r>
             <a:endParaRPr lang="en-US" dirty="0"/>
@@ -3487,7 +3487,7 @@
           <a:p>
             <a:fld id="{52477F81-9B68-4C40-859A-7099B95DAB27}" type="datetimeFigureOut">
               <a:rPr lang="tr-TR" smtClean="0"/>
-              <a:t>23.02.2022</a:t>
+              <a:t>2.07.2024</a:t>
             </a:fld>
             <a:endParaRPr lang="tr-TR"/>
           </a:p>
@@ -3585,7 +3585,7 @@
           </a:lstStyle>
           <a:p>
             <a:r>
-              <a:rPr lang="tr-TR" smtClean="0"/>
+              <a:rPr lang="tr-TR"/>
               <a:t>Asıl başlık stili için tıklatın</a:t>
             </a:r>
             <a:endParaRPr lang="en-US" dirty="0"/>
@@ -3653,7 +3653,7 @@
           <a:p>
             <a:pPr lvl="0"/>
             <a:r>
-              <a:rPr lang="tr-TR" smtClean="0"/>
+              <a:rPr lang="tr-TR"/>
               <a:t>Asıl metin stillerini düzenle</a:t>
             </a:r>
           </a:p>
@@ -3683,35 +3683,35 @@
           <a:p>
             <a:pPr lvl="0"/>
             <a:r>
-              <a:rPr lang="tr-TR" smtClean="0"/>
+              <a:rPr lang="tr-TR"/>
               <a:t>Asıl metin stillerini düzenle</a:t>
             </a:r>
           </a:p>
           <a:p>
             <a:pPr lvl="1"/>
             <a:r>
-              <a:rPr lang="tr-TR" smtClean="0"/>
+              <a:rPr lang="tr-TR"/>
               <a:t>İkinci düzey</a:t>
             </a:r>
           </a:p>
           <a:p>
             <a:pPr lvl="2"/>
             <a:r>
-              <a:rPr lang="tr-TR" smtClean="0"/>
+              <a:rPr lang="tr-TR"/>
               <a:t>Üçüncü düzey</a:t>
             </a:r>
           </a:p>
           <a:p>
             <a:pPr lvl="3"/>
             <a:r>
-              <a:rPr lang="tr-TR" smtClean="0"/>
+              <a:rPr lang="tr-TR"/>
               <a:t>Dördüncü düzey</a:t>
             </a:r>
           </a:p>
           <a:p>
             <a:pPr lvl="4"/>
             <a:r>
-              <a:rPr lang="tr-TR" smtClean="0"/>
+              <a:rPr lang="tr-TR"/>
               <a:t>Beşinci düzey</a:t>
             </a:r>
             <a:endParaRPr lang="en-US" dirty="0"/>
@@ -3779,7 +3779,7 @@
           <a:p>
             <a:pPr lvl="0"/>
             <a:r>
-              <a:rPr lang="tr-TR" smtClean="0"/>
+              <a:rPr lang="tr-TR"/>
               <a:t>Asıl metin stillerini düzenle</a:t>
             </a:r>
           </a:p>
@@ -3809,35 +3809,35 @@
           <a:p>
             <a:pPr lvl="0"/>
             <a:r>
-              <a:rPr lang="tr-TR" smtClean="0"/>
+              <a:rPr lang="tr-TR"/>
               <a:t>Asıl metin stillerini düzenle</a:t>
             </a:r>
           </a:p>
           <a:p>
             <a:pPr lvl="1"/>
             <a:r>
-              <a:rPr lang="tr-TR" smtClean="0"/>
+              <a:rPr lang="tr-TR"/>
               <a:t>İkinci düzey</a:t>
             </a:r>
           </a:p>
           <a:p>
             <a:pPr lvl="2"/>
             <a:r>
-              <a:rPr lang="tr-TR" smtClean="0"/>
+              <a:rPr lang="tr-TR"/>
               <a:t>Üçüncü düzey</a:t>
             </a:r>
           </a:p>
           <a:p>
             <a:pPr lvl="3"/>
             <a:r>
-              <a:rPr lang="tr-TR" smtClean="0"/>
+              <a:rPr lang="tr-TR"/>
               <a:t>Dördüncü düzey</a:t>
             </a:r>
           </a:p>
           <a:p>
             <a:pPr lvl="4"/>
             <a:r>
-              <a:rPr lang="tr-TR" smtClean="0"/>
+              <a:rPr lang="tr-TR"/>
               <a:t>Beşinci düzey</a:t>
             </a:r>
             <a:endParaRPr lang="en-US" dirty="0"/>
@@ -3861,7 +3861,7 @@
           <a:p>
             <a:fld id="{52477F81-9B68-4C40-859A-7099B95DAB27}" type="datetimeFigureOut">
               <a:rPr lang="tr-TR" smtClean="0"/>
-              <a:t>23.02.2022</a:t>
+              <a:t>2.07.2024</a:t>
             </a:fld>
             <a:endParaRPr lang="tr-TR"/>
           </a:p>
@@ -3960,7 +3960,7 @@
           <a:lstStyle/>
           <a:p>
             <a:r>
-              <a:rPr lang="tr-TR" smtClean="0"/>
+              <a:rPr lang="tr-TR"/>
               <a:t>Asıl başlık stili için tıklatın</a:t>
             </a:r>
             <a:endParaRPr lang="en-US" dirty="0"/>
@@ -3984,7 +3984,7 @@
           <a:p>
             <a:fld id="{52477F81-9B68-4C40-859A-7099B95DAB27}" type="datetimeFigureOut">
               <a:rPr lang="tr-TR" smtClean="0"/>
-              <a:t>23.02.2022</a:t>
+              <a:t>2.07.2024</a:t>
             </a:fld>
             <a:endParaRPr lang="tr-TR"/>
           </a:p>
@@ -4079,7 +4079,7 @@
           <a:p>
             <a:fld id="{52477F81-9B68-4C40-859A-7099B95DAB27}" type="datetimeFigureOut">
               <a:rPr lang="tr-TR" smtClean="0"/>
-              <a:t>23.02.2022</a:t>
+              <a:t>2.07.2024</a:t>
             </a:fld>
             <a:endParaRPr lang="tr-TR"/>
           </a:p>
@@ -4184,7 +4184,7 @@
           </a:lstStyle>
           <a:p>
             <a:r>
-              <a:rPr lang="tr-TR" smtClean="0"/>
+              <a:rPr lang="tr-TR"/>
               <a:t>Asıl başlık stili için tıklatın</a:t>
             </a:r>
             <a:endParaRPr lang="en-US" dirty="0"/>
@@ -4215,35 +4215,35 @@
           <a:p>
             <a:pPr lvl="0"/>
             <a:r>
-              <a:rPr lang="tr-TR" smtClean="0"/>
+              <a:rPr lang="tr-TR"/>
               <a:t>Asıl metin stillerini düzenle</a:t>
             </a:r>
           </a:p>
           <a:p>
             <a:pPr lvl="1"/>
             <a:r>
-              <a:rPr lang="tr-TR" smtClean="0"/>
+              <a:rPr lang="tr-TR"/>
               <a:t>İkinci düzey</a:t>
             </a:r>
           </a:p>
           <a:p>
             <a:pPr lvl="2"/>
             <a:r>
-              <a:rPr lang="tr-TR" smtClean="0"/>
+              <a:rPr lang="tr-TR"/>
               <a:t>Üçüncü düzey</a:t>
             </a:r>
           </a:p>
           <a:p>
             <a:pPr lvl="3"/>
             <a:r>
-              <a:rPr lang="tr-TR" smtClean="0"/>
+              <a:rPr lang="tr-TR"/>
               <a:t>Dördüncü düzey</a:t>
             </a:r>
           </a:p>
           <a:p>
             <a:pPr lvl="4"/>
             <a:r>
-              <a:rPr lang="tr-TR" smtClean="0"/>
+              <a:rPr lang="tr-TR"/>
               <a:t>Beşinci düzey</a:t>
             </a:r>
             <a:endParaRPr lang="en-US" dirty="0"/>
@@ -4311,7 +4311,7 @@
           <a:p>
             <a:pPr lvl="0"/>
             <a:r>
-              <a:rPr lang="tr-TR" smtClean="0"/>
+              <a:rPr lang="tr-TR"/>
               <a:t>Asıl metin stillerini düzenle</a:t>
             </a:r>
           </a:p>
@@ -4334,7 +4334,7 @@
           <a:p>
             <a:fld id="{52477F81-9B68-4C40-859A-7099B95DAB27}" type="datetimeFigureOut">
               <a:rPr lang="tr-TR" smtClean="0"/>
-              <a:t>23.02.2022</a:t>
+              <a:t>2.07.2024</a:t>
             </a:fld>
             <a:endParaRPr lang="tr-TR"/>
           </a:p>
@@ -4439,7 +4439,7 @@
           </a:lstStyle>
           <a:p>
             <a:r>
-              <a:rPr lang="tr-TR" smtClean="0"/>
+              <a:rPr lang="tr-TR"/>
               <a:t>Asıl başlık stili için tıklatın</a:t>
             </a:r>
             <a:endParaRPr lang="en-US" dirty="0"/>
@@ -4506,7 +4506,7 @@
           </a:lstStyle>
           <a:p>
             <a:r>
-              <a:rPr lang="tr-TR" smtClean="0"/>
+              <a:rPr lang="tr-TR"/>
               <a:t>Resim eklemek için simgeyi tıklatın</a:t>
             </a:r>
             <a:endParaRPr lang="en-US" dirty="0"/>
@@ -4574,7 +4574,7 @@
           <a:p>
             <a:pPr lvl="0"/>
             <a:r>
-              <a:rPr lang="tr-TR" smtClean="0"/>
+              <a:rPr lang="tr-TR"/>
               <a:t>Asıl metin stillerini düzenle</a:t>
             </a:r>
           </a:p>
@@ -4597,7 +4597,7 @@
           <a:p>
             <a:fld id="{52477F81-9B68-4C40-859A-7099B95DAB27}" type="datetimeFigureOut">
               <a:rPr lang="tr-TR" smtClean="0"/>
-              <a:t>23.02.2022</a:t>
+              <a:t>2.07.2024</a:t>
             </a:fld>
             <a:endParaRPr lang="tr-TR"/>
           </a:p>
@@ -5236,7 +5236,7 @@
           <a:lstStyle/>
           <a:p>
             <a:r>
-              <a:rPr lang="tr-TR" smtClean="0"/>
+              <a:rPr lang="tr-TR"/>
               <a:t>Asıl başlık stili için tıklatın</a:t>
             </a:r>
             <a:endParaRPr lang="en-US" dirty="0"/>
@@ -5270,35 +5270,35 @@
           <a:p>
             <a:pPr lvl="0"/>
             <a:r>
-              <a:rPr lang="tr-TR" smtClean="0"/>
+              <a:rPr lang="tr-TR"/>
               <a:t>Asıl metin stillerini düzenle</a:t>
             </a:r>
           </a:p>
           <a:p>
             <a:pPr lvl="1"/>
             <a:r>
-              <a:rPr lang="tr-TR" smtClean="0"/>
+              <a:rPr lang="tr-TR"/>
               <a:t>İkinci düzey</a:t>
             </a:r>
           </a:p>
           <a:p>
             <a:pPr lvl="2"/>
             <a:r>
-              <a:rPr lang="tr-TR" smtClean="0"/>
+              <a:rPr lang="tr-TR"/>
               <a:t>Üçüncü düzey</a:t>
             </a:r>
           </a:p>
           <a:p>
             <a:pPr lvl="3"/>
             <a:r>
-              <a:rPr lang="tr-TR" smtClean="0"/>
+              <a:rPr lang="tr-TR"/>
               <a:t>Dördüncü düzey</a:t>
             </a:r>
           </a:p>
           <a:p>
             <a:pPr lvl="4"/>
             <a:r>
-              <a:rPr lang="tr-TR" smtClean="0"/>
+              <a:rPr lang="tr-TR"/>
               <a:t>Beşinci düzey</a:t>
             </a:r>
             <a:endParaRPr lang="en-US" dirty="0"/>
@@ -5340,7 +5340,7 @@
           <a:p>
             <a:fld id="{52477F81-9B68-4C40-859A-7099B95DAB27}" type="datetimeFigureOut">
               <a:rPr lang="tr-TR" smtClean="0"/>
-              <a:t>23.02.2022</a:t>
+              <a:t>2.07.2024</a:t>
             </a:fld>
             <a:endParaRPr lang="tr-TR"/>
           </a:p>
@@ -5880,10 +5880,9 @@
           <a:lstStyle/>
           <a:p>
             <a:r>
-              <a:rPr lang="tr-TR" dirty="0" smtClean="0"/>
+              <a:rPr lang="tr-TR" dirty="0"/>
               <a:t>İleri Programlama Teknikleri</a:t>
             </a:r>
-            <a:endParaRPr lang="tr-TR" dirty="0"/>
           </a:p>
         </p:txBody>
       </p:sp>
@@ -5903,14 +5902,13 @@
           <a:lstStyle/>
           <a:p>
             <a:r>
-              <a:rPr lang="tr-TR" dirty="0" err="1" smtClean="0"/>
+              <a:rPr lang="tr-TR" dirty="0" err="1"/>
               <a:t>Doç.Dr.Derya</a:t>
             </a:r>
             <a:r>
-              <a:rPr lang="tr-TR" dirty="0" smtClean="0"/>
+              <a:rPr lang="tr-TR" dirty="0"/>
               <a:t> AVCI</a:t>
             </a:r>
-            <a:endParaRPr lang="tr-TR" dirty="0"/>
           </a:p>
         </p:txBody>
       </p:sp>
@@ -5960,12 +5958,8 @@
           <a:lstStyle/>
           <a:p>
             <a:r>
-              <a:rPr lang="tr-TR" b="1" dirty="0" err="1"/>
-              <a:t>Pygame</a:t>
-            </a:r>
-            <a:r>
               <a:rPr lang="tr-TR" b="1" dirty="0"/>
-              <a:t> Kütüphanesi </a:t>
+              <a:t>Pygame Kütüphanesi </a:t>
             </a:r>
             <a:br>
               <a:rPr lang="tr-TR" b="1" dirty="0"/>
@@ -5990,27 +5984,14 @@
           <a:lstStyle/>
           <a:p>
             <a:r>
-              <a:rPr lang="tr-TR" dirty="0" smtClean="0"/>
-              <a:t>İsminden </a:t>
-            </a:r>
-            <a:r>
-              <a:rPr lang="tr-TR" dirty="0"/>
-              <a:t>de anlaşılacağı gibi oyun üretiminde kullanılan kütüphanedir. </a:t>
-            </a:r>
-            <a:endParaRPr lang="tr-TR" dirty="0" smtClean="0"/>
-          </a:p>
-          <a:p>
-            <a:r>
-              <a:rPr lang="tr-TR" dirty="0" smtClean="0"/>
-              <a:t>Bu </a:t>
-            </a:r>
-            <a:r>
-              <a:rPr lang="tr-TR" dirty="0" err="1"/>
-              <a:t>python</a:t>
-            </a:r>
-            <a:r>
-              <a:rPr lang="tr-TR" dirty="0"/>
-              <a:t> kütüphanesi sayesinde interaktif oyunlar geliştirmek mümkündür.</a:t>
+              <a:rPr lang="tr-TR" dirty="0"/>
+              <a:t>İsminden de anlaşılacağı gibi oyun üretiminde kullanılan kütüphanedir. </a:t>
+            </a:r>
+          </a:p>
+          <a:p>
+            <a:r>
+              <a:rPr lang="tr-TR" dirty="0"/>
+              <a:t>Bu python kütüphanesi sayesinde interaktif oyunlar geliştirmek mümkündür.</a:t>
             </a:r>
           </a:p>
         </p:txBody>
@@ -6063,28 +6044,16 @@
           <a:lstStyle/>
           <a:p>
             <a:r>
-              <a:rPr lang="tr-TR" b="1" dirty="0" err="1"/>
-              <a:t>Numpy</a:t>
-            </a:r>
-            <a:r>
               <a:rPr lang="tr-TR" b="1" dirty="0"/>
-              <a:t> Kütüphanesi (</a:t>
-            </a:r>
-            <a:r>
-              <a:rPr lang="tr-TR" b="1" dirty="0" err="1"/>
+              <a:t>Numpy Kütüphanesi (</a:t>
+            </a:r>
+            <a:r>
+              <a:rPr lang="en-US" b="1" dirty="0"/>
               <a:t>Numerical</a:t>
             </a:r>
             <a:r>
               <a:rPr lang="tr-TR" b="1" dirty="0"/>
-              <a:t> </a:t>
-            </a:r>
-            <a:r>
-              <a:rPr lang="tr-TR" b="1" dirty="0" err="1"/>
-              <a:t>Python</a:t>
-            </a:r>
-            <a:r>
-              <a:rPr lang="tr-TR" b="1" dirty="0"/>
-              <a:t>)</a:t>
+              <a:t> Python)</a:t>
             </a:r>
             <a:br>
               <a:rPr lang="tr-TR" b="1" dirty="0"/>
@@ -6109,12 +6078,22 @@
           <a:lstStyle/>
           <a:p>
             <a:r>
+              <a:rPr lang="tr-TR" dirty="0"/>
+              <a:t>Numpy </a:t>
+            </a:r>
+            <a:r>
               <a:rPr lang="tr-TR" dirty="0" err="1"/>
-              <a:t>Numpy</a:t>
-            </a:r>
-            <a:r>
-              <a:rPr lang="tr-TR" dirty="0"/>
-              <a:t> </a:t>
+              <a:t>Python’un</a:t>
+            </a:r>
+            <a:r>
+              <a:rPr lang="tr-TR" dirty="0"/>
+              <a:t> meşhur kütüphanelerinden biridir. </a:t>
+            </a:r>
+          </a:p>
+          <a:p>
+            <a:r>
+              <a:rPr lang="tr-TR" dirty="0"/>
+              <a:t>Math kütüphanesini içinde barındırır ve </a:t>
             </a:r>
             <a:r>
               <a:rPr lang="tr-TR" dirty="0" err="1"/>
@@ -6122,56 +6101,19 @@
             </a:r>
             <a:r>
               <a:rPr lang="tr-TR" dirty="0"/>
-              <a:t> meşhur kütüphanelerinden biridir. </a:t>
-            </a:r>
-            <a:endParaRPr lang="tr-TR" dirty="0" smtClean="0"/>
-          </a:p>
-          <a:p>
-            <a:r>
-              <a:rPr lang="tr-TR" dirty="0" smtClean="0"/>
-              <a:t>Math </a:t>
-            </a:r>
-            <a:r>
-              <a:rPr lang="tr-TR" dirty="0"/>
-              <a:t>kütüphanesini içinde barındırır ve </a:t>
-            </a:r>
-            <a:r>
-              <a:rPr lang="tr-TR" dirty="0" err="1"/>
-              <a:t>pythonun</a:t>
-            </a:r>
-            <a:r>
-              <a:rPr lang="tr-TR" dirty="0"/>
               <a:t> daha karmaşık matematiksel işlemleri de yapabilmesinde kullanılan kütüphanedir. </a:t>
             </a:r>
-            <a:endParaRPr lang="tr-TR" dirty="0" smtClean="0"/>
-          </a:p>
-          <a:p>
-            <a:r>
-              <a:rPr lang="tr-TR" dirty="0" smtClean="0"/>
-              <a:t>Çok </a:t>
-            </a:r>
-            <a:r>
-              <a:rPr lang="tr-TR" dirty="0"/>
-              <a:t>büyük matematiksel işlemleri hızlı ve esnek bir şekilde hesaplar. </a:t>
-            </a:r>
-            <a:endParaRPr lang="tr-TR" dirty="0" smtClean="0"/>
-          </a:p>
-          <a:p>
-            <a:r>
-              <a:rPr lang="tr-TR" dirty="0" smtClean="0"/>
-              <a:t>Veri </a:t>
-            </a:r>
-            <a:r>
-              <a:rPr lang="tr-TR" dirty="0"/>
-              <a:t>analizi, veri madenciliği gibi alanlarda kullanılan bir </a:t>
-            </a:r>
-            <a:r>
-              <a:rPr lang="tr-TR" dirty="0" err="1"/>
-              <a:t>python</a:t>
-            </a:r>
-            <a:r>
-              <a:rPr lang="tr-TR" dirty="0"/>
-              <a:t> kütüphanesidir.</a:t>
+          </a:p>
+          <a:p>
+            <a:r>
+              <a:rPr lang="tr-TR" dirty="0"/>
+              <a:t>Çok büyük matematiksel işlemleri hızlı ve esnek bir şekilde hesaplar. </a:t>
+            </a:r>
+          </a:p>
+          <a:p>
+            <a:r>
+              <a:rPr lang="tr-TR" dirty="0"/>
+              <a:t>Veri analizi, veri madenciliği gibi alanlarda kullanılan bir python kütüphanesidir.</a:t>
             </a:r>
           </a:p>
         </p:txBody>
@@ -6222,12 +6164,8 @@
           <a:lstStyle/>
           <a:p>
             <a:r>
-              <a:rPr lang="tr-TR" b="1" dirty="0" err="1"/>
-              <a:t>Matplotlib</a:t>
-            </a:r>
-            <a:r>
               <a:rPr lang="tr-TR" b="1" dirty="0"/>
-              <a:t> Kütüphanesi</a:t>
+              <a:t>Matplotlib Kütüphanesi</a:t>
             </a:r>
             <a:br>
               <a:rPr lang="tr-TR" b="1" dirty="0"/>
@@ -6257,10 +6195,6 @@
             </a:r>
           </a:p>
           <a:p>
-            <a:r>
-              <a:rPr lang="tr-TR" dirty="0"/>
-              <a:t/>
-            </a:r>
             <a:br>
               <a:rPr lang="tr-TR" dirty="0"/>
             </a:br>
@@ -6338,12 +6272,8 @@
           <a:lstStyle/>
           <a:p>
             <a:r>
-              <a:rPr lang="tr-TR" b="1" dirty="0" err="1"/>
-              <a:t>Scrapy</a:t>
-            </a:r>
-            <a:r>
               <a:rPr lang="tr-TR" b="1" dirty="0"/>
-              <a:t> Kütüphanesi</a:t>
+              <a:t>Scrapy Kütüphanesi</a:t>
             </a:r>
             <a:br>
               <a:rPr lang="tr-TR" b="1" dirty="0"/>
@@ -6369,34 +6299,13 @@
           <a:p>
             <a:r>
               <a:rPr lang="tr-TR" dirty="0"/>
-              <a:t>Web üzerindeki verileri içerikleri taramamızı sağlayan açık kaynaklı bir çerçevedir(</a:t>
-            </a:r>
-            <a:r>
-              <a:rPr lang="tr-TR" dirty="0" err="1"/>
-              <a:t>python</a:t>
-            </a:r>
-            <a:r>
-              <a:rPr lang="tr-TR" dirty="0"/>
-              <a:t> kütüphanesidir). </a:t>
-            </a:r>
-            <a:endParaRPr lang="tr-TR" dirty="0" smtClean="0"/>
-          </a:p>
-          <a:p>
-            <a:r>
-              <a:rPr lang="tr-TR" dirty="0" smtClean="0"/>
-              <a:t>Html </a:t>
-            </a:r>
-            <a:r>
-              <a:rPr lang="tr-TR" dirty="0"/>
-              <a:t>ve </a:t>
-            </a:r>
-            <a:r>
-              <a:rPr lang="tr-TR" dirty="0" err="1"/>
-              <a:t>Xml</a:t>
-            </a:r>
-            <a:r>
-              <a:rPr lang="tr-TR" dirty="0"/>
-              <a:t> gibi yapısal içeriklerden verilerin ayıklanmasını sağlamaktadır. </a:t>
+              <a:t>Web üzerindeki verileri içerikleri taramamızı sağlayan açık kaynaklı bir çerçevedir(python kütüphanesidir). </a:t>
+            </a:r>
+          </a:p>
+          <a:p>
+            <a:r>
+              <a:rPr lang="tr-TR" dirty="0"/>
+              <a:t>Html ve Xml gibi yapısal içeriklerden verilerin ayıklanmasını sağlamaktadır. </a:t>
             </a:r>
           </a:p>
         </p:txBody>
@@ -6447,12 +6356,8 @@
           <a:lstStyle/>
           <a:p>
             <a:r>
-              <a:rPr lang="tr-TR" b="1" dirty="0" err="1"/>
-              <a:t>Pytorch</a:t>
-            </a:r>
-            <a:r>
               <a:rPr lang="tr-TR" b="1" dirty="0"/>
-              <a:t> Kütüphanesi</a:t>
+              <a:t>Pytorch Kütüphanesi</a:t>
             </a:r>
             <a:br>
               <a:rPr lang="tr-TR" b="1" dirty="0"/>
@@ -6534,12 +6439,8 @@
           <a:lstStyle/>
           <a:p>
             <a:r>
-              <a:rPr lang="tr-TR" b="1" dirty="0" err="1"/>
-              <a:t>Caffe</a:t>
-            </a:r>
-            <a:r>
               <a:rPr lang="tr-TR" b="1" dirty="0"/>
-              <a:t> Kütüphanesi</a:t>
+              <a:t>Caffe Kütüphanesi</a:t>
             </a:r>
             <a:br>
               <a:rPr lang="tr-TR" b="1" dirty="0"/>
@@ -6570,26 +6471,13 @@
           <a:p>
             <a:r>
               <a:rPr lang="tr-TR" dirty="0"/>
-              <a:t>Uygulamalar oluşturmak için geliştirilmiş bir derin öğrenme çatısı (</a:t>
-            </a:r>
-            <a:r>
-              <a:rPr lang="tr-TR" dirty="0" err="1"/>
-              <a:t>framework</a:t>
-            </a:r>
-            <a:r>
-              <a:rPr lang="tr-TR" dirty="0"/>
-              <a:t>) kütüphanesidir. </a:t>
-            </a:r>
-            <a:endParaRPr lang="tr-TR" dirty="0" smtClean="0"/>
-          </a:p>
-          <a:p>
-            <a:r>
-              <a:rPr lang="tr-TR" dirty="0" smtClean="0"/>
-              <a:t>Sinir </a:t>
-            </a:r>
-            <a:r>
-              <a:rPr lang="tr-TR" dirty="0"/>
-              <a:t>ağlarını metin ve kod yazmadan uygulamayı sağlar.</a:t>
+              <a:t>Uygulamalar oluşturmak için geliştirilmiş bir derin öğrenme çatısı (framework) kütüphanesidir. </a:t>
+            </a:r>
+          </a:p>
+          <a:p>
+            <a:r>
+              <a:rPr lang="tr-TR" dirty="0"/>
+              <a:t>Sinir ağlarını metin ve kod yazmadan uygulamayı sağlar.</a:t>
             </a:r>
           </a:p>
         </p:txBody>
@@ -6640,12 +6528,8 @@
           <a:lstStyle/>
           <a:p>
             <a:r>
-              <a:rPr lang="tr-TR" b="1" dirty="0" err="1"/>
-              <a:t>CatBoost</a:t>
-            </a:r>
-            <a:r>
               <a:rPr lang="tr-TR" b="1" dirty="0"/>
-              <a:t> Kütüphanesi </a:t>
+              <a:t>CatBoost Kütüphanesi </a:t>
             </a:r>
             <a:br>
               <a:rPr lang="tr-TR" b="1" dirty="0"/>
@@ -6671,25 +6555,13 @@
           <a:p>
             <a:r>
               <a:rPr lang="tr-TR" dirty="0"/>
-              <a:t>Sınıflama ve regresyon kullanılan yüksek performanslı bir kütüphanedir</a:t>
-            </a:r>
-            <a:r>
-              <a:rPr lang="tr-TR" dirty="0" smtClean="0"/>
-              <a:t>.</a:t>
-            </a:r>
-          </a:p>
-          <a:p>
-            <a:r>
-              <a:rPr lang="tr-TR" dirty="0" err="1" smtClean="0"/>
-              <a:t>Makaine</a:t>
-            </a:r>
-            <a:r>
-              <a:rPr lang="tr-TR" dirty="0" smtClean="0"/>
-              <a:t> </a:t>
-            </a:r>
-            <a:r>
-              <a:rPr lang="tr-TR" dirty="0"/>
-              <a:t>öğrenmesi biliminde yararlanılır.</a:t>
+              <a:t>Sınıflama ve regresyon kullanılan yüksek performanslı bir kütüphanedir.</a:t>
+            </a:r>
+          </a:p>
+          <a:p>
+            <a:r>
+              <a:rPr lang="tr-TR" dirty="0"/>
+              <a:t>Makine öğrenmesi biliminde yararlanılır.</a:t>
             </a:r>
           </a:p>
         </p:txBody>
@@ -6740,12 +6612,8 @@
           <a:lstStyle/>
           <a:p>
             <a:r>
-              <a:rPr lang="tr-TR" b="1" dirty="0" err="1"/>
-              <a:t>Pybrain</a:t>
-            </a:r>
-            <a:r>
               <a:rPr lang="tr-TR" b="1" dirty="0"/>
-              <a:t> Kütüphanesi</a:t>
+              <a:t>Pybrain Kütüphanesi</a:t>
             </a:r>
             <a:br>
               <a:rPr lang="tr-TR" b="1" dirty="0"/>
@@ -6773,24 +6641,11 @@
               <a:rPr lang="tr-TR" dirty="0"/>
               <a:t>Modüler bir makine öğrenme kütüphanesidir. </a:t>
             </a:r>
-            <a:endParaRPr lang="tr-TR" dirty="0" smtClean="0"/>
-          </a:p>
-          <a:p>
-            <a:r>
-              <a:rPr lang="tr-TR" dirty="0" smtClean="0"/>
-              <a:t>Amacı</a:t>
-            </a:r>
-            <a:r>
-              <a:rPr lang="tr-TR" dirty="0"/>
-              <a:t>, makine öğrenimi görevleri için esnek, kullanımı kolay ancak hâlâ güçlü algoritmalarla algoritmalarınızı test etmek ve karşılaştırmak için çeşitli önceden tanımlanmış ortamlar sunmak olan bir </a:t>
-            </a:r>
-            <a:r>
-              <a:rPr lang="tr-TR" dirty="0" err="1"/>
-              <a:t>python</a:t>
-            </a:r>
-            <a:r>
-              <a:rPr lang="tr-TR" dirty="0"/>
-              <a:t> kütüphanesidir.</a:t>
+          </a:p>
+          <a:p>
+            <a:r>
+              <a:rPr lang="tr-TR" dirty="0"/>
+              <a:t>Amacı, makine öğrenimi görevleri için esnek, kullanımı kolay ancak hâlâ güçlü algoritmalarla algoritmalarınızı test etmek ve karşılaştırmak için çeşitli önceden tanımlanmış ortamlar sunmak olan bir python kütüphanesidir.</a:t>
             </a:r>
           </a:p>
         </p:txBody>
@@ -6841,12 +6696,8 @@
           <a:lstStyle/>
           <a:p>
             <a:r>
-              <a:rPr lang="tr-TR" b="1" dirty="0" err="1"/>
-              <a:t>XGBoost</a:t>
-            </a:r>
-            <a:r>
               <a:rPr lang="tr-TR" b="1" dirty="0"/>
-              <a:t> Kütüphanesi </a:t>
+              <a:t>XGBoost Kütüphanesi </a:t>
             </a:r>
             <a:br>
               <a:rPr lang="tr-TR" b="1" dirty="0"/>
@@ -6871,31 +6722,14 @@
           <a:lstStyle/>
           <a:p>
             <a:r>
-              <a:rPr lang="tr-TR" dirty="0" err="1"/>
-              <a:t>XGBoost</a:t>
-            </a:r>
-            <a:r>
-              <a:rPr lang="tr-TR" dirty="0"/>
-              <a:t>, yüksek verimli, esnek ve taşınabilir olarak tasarlanmış bir kütüphanedir. </a:t>
-            </a:r>
-            <a:endParaRPr lang="tr-TR" dirty="0" smtClean="0"/>
-          </a:p>
-          <a:p>
-            <a:r>
-              <a:rPr lang="tr-TR" dirty="0" smtClean="0"/>
-              <a:t>Optimum </a:t>
-            </a:r>
-            <a:r>
-              <a:rPr lang="tr-TR" dirty="0"/>
-              <a:t>dağılım makine öğrenmesi alanında kullanılan bir </a:t>
-            </a:r>
-            <a:r>
-              <a:rPr lang="tr-TR" dirty="0" err="1"/>
-              <a:t>python</a:t>
-            </a:r>
-            <a:r>
-              <a:rPr lang="tr-TR" dirty="0"/>
-              <a:t> kütüphanesidir.</a:t>
+              <a:rPr lang="tr-TR" dirty="0"/>
+              <a:t>XGBoost, yüksek verimli, esnek ve taşınabilir olarak tasarlanmış bir kütüphanedir. </a:t>
+            </a:r>
+          </a:p>
+          <a:p>
+            <a:r>
+              <a:rPr lang="tr-TR" dirty="0"/>
+              <a:t>Optimum dağılım makine öğrenmesi alanında kullanılan bir python kütüphanesidir.</a:t>
             </a:r>
           </a:p>
         </p:txBody>
@@ -6946,12 +6780,8 @@
           <a:lstStyle/>
           <a:p>
             <a:r>
-              <a:rPr lang="tr-TR" b="1" dirty="0" err="1"/>
-              <a:t>OpenCV</a:t>
-            </a:r>
-            <a:r>
               <a:rPr lang="tr-TR" b="1" dirty="0"/>
-              <a:t> Kütüphanesi</a:t>
+              <a:t>OpenCV Kütüphanesi</a:t>
             </a:r>
             <a:br>
               <a:rPr lang="tr-TR" b="1" dirty="0"/>
@@ -6977,53 +6807,19 @@
           <a:p>
             <a:r>
               <a:rPr lang="tr-TR" dirty="0"/>
-              <a:t>Görüntü işleme için kullanılan en popüler </a:t>
-            </a:r>
-            <a:r>
-              <a:rPr lang="tr-TR" dirty="0" err="1"/>
-              <a:t>python</a:t>
-            </a:r>
-            <a:r>
-              <a:rPr lang="tr-TR" dirty="0"/>
-              <a:t> kütüphanelerinden biridir. </a:t>
-            </a:r>
-            <a:endParaRPr lang="tr-TR" dirty="0" smtClean="0"/>
-          </a:p>
-          <a:p>
-            <a:r>
-              <a:rPr lang="tr-TR" dirty="0" smtClean="0"/>
-              <a:t>Çok </a:t>
-            </a:r>
-            <a:r>
-              <a:rPr lang="tr-TR" dirty="0"/>
-              <a:t>yaygın olarak kullanılan bu kütüphanenin kullanıcıları arasından Microsoft ,</a:t>
-            </a:r>
-            <a:r>
-              <a:rPr lang="tr-TR" dirty="0" err="1"/>
-              <a:t>Yahoo</a:t>
-            </a:r>
-            <a:r>
-              <a:rPr lang="tr-TR" dirty="0"/>
-              <a:t>, Google gibi büyük şirketler de vardır. </a:t>
-            </a:r>
-            <a:endParaRPr lang="tr-TR" dirty="0" smtClean="0"/>
-          </a:p>
-          <a:p>
-            <a:r>
-              <a:rPr lang="tr-TR" dirty="0" smtClean="0"/>
-              <a:t>Her </a:t>
-            </a:r>
-            <a:r>
-              <a:rPr lang="tr-TR" dirty="0"/>
-              <a:t>hangi bir görüntü işleme değiştirme tanıma ve benzeri işler için fonksiyonlar barındıran güzel bir </a:t>
-            </a:r>
-            <a:r>
-              <a:rPr lang="tr-TR" dirty="0" err="1"/>
-              <a:t>python</a:t>
-            </a:r>
-            <a:r>
-              <a:rPr lang="tr-TR" dirty="0"/>
-              <a:t> kütüphanesidir.</a:t>
+              <a:t>Görüntü işleme için kullanılan en popüler python kütüphanelerinden biridir. </a:t>
+            </a:r>
+          </a:p>
+          <a:p>
+            <a:r>
+              <a:rPr lang="tr-TR" dirty="0"/>
+              <a:t>Çok yaygın olarak kullanılan bu kütüphanenin kullanıcıları arasından Microsoft ,Yahoo, Google gibi büyük şirketler de vardır. </a:t>
+            </a:r>
+          </a:p>
+          <a:p>
+            <a:r>
+              <a:rPr lang="tr-TR" dirty="0"/>
+              <a:t>Her hangi bir görüntü işleme değiştirme tanıma ve benzeri işler için fonksiyonlar barındıran güzel bir python kütüphanesidir.</a:t>
             </a:r>
           </a:p>
         </p:txBody>
@@ -7074,10 +6870,9 @@
           <a:lstStyle/>
           <a:p>
             <a:r>
-              <a:rPr lang="tr-TR" dirty="0" smtClean="0"/>
+              <a:rPr lang="tr-TR" dirty="0"/>
               <a:t>Giriş</a:t>
             </a:r>
-            <a:endParaRPr lang="tr-TR" dirty="0"/>
           </a:p>
         </p:txBody>
       </p:sp>
@@ -7096,17 +6891,11 @@
           <a:bodyPr/>
           <a:lstStyle/>
           <a:p>
-            <a:r>
-              <a:rPr lang="tr-TR" dirty="0" err="1">
-                <a:hlinkClick r:id="rId2"/>
-              </a:rPr>
-              <a:t>Python</a:t>
-            </a:r>
             <a:r>
               <a:rPr lang="tr-TR" dirty="0">
                 <a:hlinkClick r:id="rId2"/>
               </a:rPr>
-              <a:t> programlama dili</a:t>
+              <a:t>Python programlama dili</a:t>
             </a:r>
             <a:r>
               <a:rPr lang="tr-TR" dirty="0"/>
@@ -7136,16 +6925,11 @@
               <a:rPr lang="tr-TR" dirty="0"/>
               <a:t> tarafından geliştirilen nesne tabanlı bir yazılım dilidir. </a:t>
             </a:r>
-            <a:endParaRPr lang="tr-TR" dirty="0" smtClean="0"/>
-          </a:p>
-          <a:p>
-            <a:r>
-              <a:rPr lang="tr-TR" dirty="0" smtClean="0"/>
-              <a:t>Veri </a:t>
-            </a:r>
-            <a:r>
-              <a:rPr lang="tr-TR" dirty="0"/>
-              <a:t>analizi, </a:t>
+          </a:p>
+          <a:p>
+            <a:r>
+              <a:rPr lang="tr-TR" dirty="0"/>
+              <a:t>Veri analizi, </a:t>
             </a:r>
             <a:r>
               <a:rPr lang="tr-TR" dirty="0" err="1"/>
@@ -7153,11 +6937,7 @@
             </a:r>
             <a:r>
               <a:rPr lang="tr-TR" dirty="0"/>
-              <a:t> data , derin öğrenme , makine öğrenmesi gibi alanlarda sıkça kullanılan , öğrenmesi diğer dillere nazaran daha basit olan bir </a:t>
-            </a:r>
-            <a:r>
-              <a:rPr lang="tr-TR" dirty="0" smtClean="0"/>
-              <a:t>dildir.</a:t>
+              <a:t> data , derin öğrenme , makine öğrenmesi gibi alanlarda sıkça kullanılan , öğrenmesi diğer dillere nazaran daha basit olan bir dildir.</a:t>
             </a:r>
           </a:p>
           <a:p>
@@ -7174,12 +6954,8 @@
           </a:p>
           <a:p>
             <a:r>
-              <a:rPr lang="tr-TR" dirty="0" smtClean="0"/>
-              <a:t>Açık </a:t>
-            </a:r>
-            <a:r>
-              <a:rPr lang="tr-TR" dirty="0"/>
-              <a:t>kaynak</a:t>
+              <a:rPr lang="tr-TR" dirty="0"/>
+              <a:t>Açık kaynak</a:t>
             </a:r>
           </a:p>
           <a:p>
@@ -7233,12 +7009,8 @@
           <a:lstStyle/>
           <a:p>
             <a:r>
-              <a:rPr lang="tr-TR" b="1" dirty="0" err="1"/>
-              <a:t>Seaborn</a:t>
-            </a:r>
-            <a:r>
               <a:rPr lang="tr-TR" b="1" dirty="0"/>
-              <a:t> Kütüphanesi</a:t>
+              <a:t>Seaborn Kütüphanesi</a:t>
             </a:r>
             <a:br>
               <a:rPr lang="tr-TR" b="1" dirty="0"/>
@@ -7320,7 +7092,7 @@
             </a:r>
             <a:r>
               <a:rPr lang="tr-TR" b="1" dirty="0" err="1"/>
-              <a:t>Recognition</a:t>
+              <a:t>Recognation</a:t>
             </a:r>
             <a:r>
               <a:rPr lang="tr-TR" b="1" dirty="0"/>
@@ -7366,15 +7138,7 @@
             </a:r>
             <a:r>
               <a:rPr lang="tr-TR" dirty="0"/>
-              <a:t> asistan gibi uygulamalar bu ses tanıma teknolojilerinden yardım alarak oluşturulmuş bir </a:t>
-            </a:r>
-            <a:r>
-              <a:rPr lang="tr-TR" dirty="0" err="1"/>
-              <a:t>python</a:t>
-            </a:r>
-            <a:r>
-              <a:rPr lang="tr-TR" dirty="0"/>
-              <a:t> kütüphanesidir.</a:t>
+              <a:t> asistan gibi uygulamalar bu ses tanıma teknolojilerinden yardım alarak oluşturulmuş bir python kütüphanesidir.</a:t>
             </a:r>
           </a:p>
           <a:p>
@@ -7428,12 +7192,8 @@
           <a:lstStyle/>
           <a:p>
             <a:r>
-              <a:rPr lang="tr-TR" b="1" dirty="0" err="1"/>
-              <a:t>Spacy</a:t>
-            </a:r>
-            <a:r>
               <a:rPr lang="tr-TR" b="1" dirty="0"/>
-              <a:t> Kütüphanesi</a:t>
+              <a:t>Spacy Kütüphanesi</a:t>
             </a:r>
             <a:br>
               <a:rPr lang="tr-TR" b="1" dirty="0"/>
@@ -7475,15 +7235,7 @@
             </a:r>
             <a:r>
               <a:rPr lang="tr-TR" dirty="0"/>
-              <a:t> gibi büyük şirketlerin alt yapısında kullanılan bir </a:t>
-            </a:r>
-            <a:r>
-              <a:rPr lang="tr-TR" dirty="0" err="1"/>
-              <a:t>python</a:t>
-            </a:r>
-            <a:r>
-              <a:rPr lang="tr-TR" dirty="0"/>
-              <a:t> kütüphanesidir. </a:t>
+              <a:t> gibi büyük şirketlerin alt yapısında kullanılan bir python kütüphanesidir. </a:t>
             </a:r>
           </a:p>
         </p:txBody>
@@ -7534,12 +7286,8 @@
           <a:lstStyle/>
           <a:p>
             <a:r>
-              <a:rPr lang="tr-TR" b="1" dirty="0" err="1"/>
-              <a:t>Bokeh</a:t>
-            </a:r>
-            <a:r>
               <a:rPr lang="tr-TR" b="1" dirty="0"/>
-              <a:t> Kütüphanesi</a:t>
+              <a:t>Bokeh Kütüphanesi</a:t>
             </a:r>
             <a:br>
               <a:rPr lang="tr-TR" b="1" dirty="0"/>
@@ -7565,18 +7313,10 @@
           <a:p>
             <a:r>
               <a:rPr lang="tr-TR" dirty="0"/>
-              <a:t>Kolay ve hızlı bir şekilde verilerinizi görselleştirmeye yarayan bir </a:t>
-            </a:r>
-            <a:r>
-              <a:rPr lang="tr-TR" dirty="0" err="1"/>
-              <a:t>python</a:t>
-            </a:r>
-            <a:r>
-              <a:rPr lang="tr-TR" dirty="0"/>
-              <a:t> kütüphanesidir. </a:t>
-            </a:r>
-            <a:r>
-              <a:rPr lang="tr-TR" b="1" dirty="0" err="1"/>
+              <a:t>Kolay ve hızlı bir şekilde verilerinizi görselleştirmeye yarayan bir python kütüphanesidir. </a:t>
+            </a:r>
+            <a:r>
+              <a:rPr lang="tr-TR" b="1" dirty="0"/>
               <a:t>Matplotlib</a:t>
             </a:r>
             <a:r>
@@ -7589,15 +7329,7 @@
             </a:r>
             <a:r>
               <a:rPr lang="tr-TR" dirty="0"/>
-              <a:t> kütüphanelerinin aksine verileri görselleştirirken Html ve </a:t>
-            </a:r>
-            <a:r>
-              <a:rPr lang="tr-TR" dirty="0" err="1"/>
-              <a:t>Javascript</a:t>
-            </a:r>
-            <a:r>
-              <a:rPr lang="tr-TR" dirty="0"/>
-              <a:t> kullanır.</a:t>
+              <a:t> kütüphanelerinin aksine verileri görselleştirirken Html ve Javascript kullanır.</a:t>
             </a:r>
           </a:p>
         </p:txBody>
@@ -7675,47 +7407,7 @@
           <a:p>
             <a:r>
               <a:rPr lang="tr-TR" dirty="0"/>
-              <a:t>Natural Language </a:t>
-            </a:r>
-            <a:r>
-              <a:rPr lang="tr-TR" dirty="0" err="1"/>
-              <a:t>toolkit</a:t>
-            </a:r>
-            <a:r>
-              <a:rPr lang="tr-TR" dirty="0"/>
-              <a:t> yani doğal dil işleme araç seti ismi verilen kütüphane sembolik matematik ve istatistiksel analizler için doğal dil işleme çözümleri sunan bir </a:t>
-            </a:r>
-            <a:r>
-              <a:rPr lang="tr-TR" dirty="0" err="1"/>
-              <a:t>python</a:t>
-            </a:r>
-            <a:r>
-              <a:rPr lang="tr-TR" dirty="0"/>
-              <a:t> kütüphanesidir. Bazı mesaj uygulamalarında konuştuklarımızı yazıya dökme (</a:t>
-            </a:r>
-            <a:r>
-              <a:rPr lang="tr-TR" dirty="0" err="1"/>
-              <a:t>speech</a:t>
-            </a:r>
-            <a:r>
-              <a:rPr lang="tr-TR" dirty="0"/>
-              <a:t> </a:t>
-            </a:r>
-            <a:r>
-              <a:rPr lang="tr-TR" dirty="0" err="1"/>
-              <a:t>to</a:t>
-            </a:r>
-            <a:r>
-              <a:rPr lang="tr-TR" dirty="0"/>
-              <a:t> </a:t>
-            </a:r>
-            <a:r>
-              <a:rPr lang="tr-TR" dirty="0" err="1"/>
-              <a:t>text</a:t>
-            </a:r>
-            <a:r>
-              <a:rPr lang="tr-TR" dirty="0"/>
-              <a:t>) teknolojilerinde kullanılmaktadır.</a:t>
+              <a:t>Natural Language toolkit yani doğal dil işleme araç seti ismi verilen kütüphane sembolik matematik ve istatistiksel analizler için doğal dil işleme çözümleri sunan bir python kütüphanesidir. Bazı mesaj uygulamalarında konuştuklarımızı yazıya dökme (speech to text) teknolojilerinde kullanılmaktadır.</a:t>
             </a:r>
           </a:p>
         </p:txBody>
@@ -7766,12 +7458,8 @@
           <a:lstStyle/>
           <a:p>
             <a:r>
-              <a:rPr lang="tr-TR" b="1" dirty="0" err="1"/>
-              <a:t>Tensorflow</a:t>
-            </a:r>
-            <a:r>
               <a:rPr lang="tr-TR" b="1" dirty="0"/>
-              <a:t> Kütüphanesi</a:t>
+              <a:t>Tensorflow Kütüphanesi</a:t>
             </a:r>
             <a:br>
               <a:rPr lang="tr-TR" b="1" dirty="0"/>
@@ -7797,15 +7485,7 @@
           <a:p>
             <a:r>
               <a:rPr lang="tr-TR" dirty="0"/>
-              <a:t>Bir dizi görev arasında veri akışı ve </a:t>
-            </a:r>
-            <a:r>
-              <a:rPr lang="tr-TR" dirty="0" err="1"/>
-              <a:t>türevlenebilir</a:t>
-            </a:r>
-            <a:r>
-              <a:rPr lang="tr-TR" dirty="0"/>
-              <a:t> programlama için kullanılan bir kütüphanedir. Ağırlıklı olarak sembolik matematik işlemleri ve sinir ağları gibi makine öğrenimi uygulamaları için kullanılır. Google’da hem araştırma hem de üretim için önemli bir yeri vardır.</a:t>
+              <a:t>Bir dizi görev arasında veri akışı ve türevlenebilir programlama için kullanılan bir kütüphanedir. Ağırlıklı olarak sembolik matematik işlemleri ve sinir ağları gibi makine öğrenimi uygulamaları için kullanılır. Google’da hem araştırma hem de üretim için önemli bir yeri vardır.</a:t>
             </a:r>
           </a:p>
         </p:txBody>
@@ -7856,12 +7536,8 @@
           <a:lstStyle/>
           <a:p>
             <a:r>
-              <a:rPr lang="tr-TR" b="1" dirty="0" err="1"/>
-              <a:t>Plotly</a:t>
-            </a:r>
-            <a:r>
               <a:rPr lang="tr-TR" b="1" dirty="0"/>
-              <a:t> Kütüphanesi</a:t>
+              <a:t>Plotly Kütüphanesi</a:t>
             </a:r>
             <a:br>
               <a:rPr lang="tr-TR" b="1" dirty="0"/>
@@ -7887,15 +7563,7 @@
           <a:p>
             <a:r>
               <a:rPr lang="tr-TR" dirty="0"/>
-              <a:t> </a:t>
-            </a:r>
-            <a:r>
-              <a:rPr lang="tr-TR" dirty="0" err="1"/>
-              <a:t>Javascript</a:t>
-            </a:r>
-            <a:r>
-              <a:rPr lang="tr-TR" dirty="0"/>
-              <a:t>, R gibi dillerle uyumlu çalışan veri görselleştirme ve </a:t>
+              <a:t> Javascript, R gibi dillerle uyumlu çalışan veri görselleştirme ve </a:t>
             </a:r>
             <a:r>
               <a:rPr lang="tr-TR" dirty="0" err="1"/>
@@ -7903,15 +7571,7 @@
             </a:r>
             <a:r>
               <a:rPr lang="tr-TR" dirty="0"/>
-              <a:t> oluşturmaya yarayan fonksiyonları barındıran bir </a:t>
-            </a:r>
-            <a:r>
-              <a:rPr lang="tr-TR" dirty="0" err="1"/>
-              <a:t>python</a:t>
-            </a:r>
-            <a:r>
-              <a:rPr lang="tr-TR" dirty="0"/>
-              <a:t> kütüphanesidir.</a:t>
+              <a:t> oluşturmaya yarayan fonksiyonları barındıran bir python kütüphanesidir.</a:t>
             </a:r>
           </a:p>
         </p:txBody>
@@ -7964,12 +7624,8 @@
           <a:lstStyle/>
           <a:p>
             <a:r>
-              <a:rPr lang="tr-TR" b="1" dirty="0" err="1"/>
-              <a:t>Theano</a:t>
-            </a:r>
-            <a:r>
               <a:rPr lang="tr-TR" b="1" dirty="0"/>
-              <a:t> Kütüphanesi</a:t>
+              <a:t>Theano Kütüphanesi</a:t>
             </a:r>
             <a:br>
               <a:rPr lang="tr-TR" b="1" dirty="0"/>
@@ -7998,19 +7654,7 @@
           <a:p>
             <a:r>
               <a:rPr lang="tr-TR" dirty="0"/>
-              <a:t>Matematiksel ifadeleri, özellikle matris değerli ifadeleri işlemek ve değerlendirmek için optimize eden bir </a:t>
-            </a:r>
-            <a:r>
-              <a:rPr lang="tr-TR" dirty="0" err="1"/>
-              <a:t>python</a:t>
-            </a:r>
-            <a:r>
-              <a:rPr lang="tr-TR" dirty="0"/>
-              <a:t> kütüphanesidir</a:t>
-            </a:r>
-            <a:r>
-              <a:rPr lang="tr-TR" dirty="0" smtClean="0"/>
-              <a:t>.</a:t>
+              <a:t>Matematiksel ifadeleri, özellikle matris değerli ifadeleri işlemek ve değerlendirmek için optimize eden bir python kütüphanesidir.</a:t>
             </a:r>
           </a:p>
           <a:p>
@@ -8069,20 +7713,8 @@
           <a:lstStyle/>
           <a:p>
             <a:r>
-              <a:rPr lang="tr-TR" b="1" dirty="0" err="1"/>
-              <a:t>Beautiful</a:t>
-            </a:r>
-            <a:r>
               <a:rPr lang="tr-TR" b="1" dirty="0"/>
-              <a:t> </a:t>
-            </a:r>
-            <a:r>
-              <a:rPr lang="tr-TR" b="1" dirty="0" err="1"/>
-              <a:t>Soup</a:t>
-            </a:r>
-            <a:r>
-              <a:rPr lang="tr-TR" b="1" dirty="0"/>
-              <a:t> Kütüphanesi</a:t>
+              <a:t>Beautiful Soup Kütüphanesi</a:t>
             </a:r>
             <a:br>
               <a:rPr lang="tr-TR" b="1" dirty="0"/>
@@ -8170,12 +7802,8 @@
           <a:lstStyle/>
           <a:p>
             <a:r>
-              <a:rPr lang="tr-TR" b="1" dirty="0" err="1"/>
-              <a:t>SciKit-Learn</a:t>
-            </a:r>
-            <a:r>
               <a:rPr lang="tr-TR" b="1" dirty="0"/>
-              <a:t> Kütüphanesi</a:t>
+              <a:t>SciKit-Learn Kütüphanesi</a:t>
             </a:r>
             <a:br>
               <a:rPr lang="tr-TR" b="1" dirty="0"/>
@@ -8201,15 +7829,7 @@
           <a:p>
             <a:r>
               <a:rPr lang="tr-TR" dirty="0"/>
-              <a:t> Veri madenciliği ve veri analizinde gerekli küme analizi, regresyon, veri işleme gibi işlemleri gerçekleştirebilen çok yönlü bir kütüphanedir. Makine öğrenmesi ve </a:t>
-            </a:r>
-            <a:r>
-              <a:rPr lang="tr-TR" dirty="0" err="1"/>
-              <a:t>Python</a:t>
-            </a:r>
-            <a:r>
-              <a:rPr lang="tr-TR" dirty="0"/>
-              <a:t> deyince akla gelen ilk kütüphanedir </a:t>
+              <a:t> Veri madenciliği ve veri analizinde gerekli küme analizi, regresyon, veri işleme gibi işlemleri gerçekleştirebilen çok yönlü bir kütüphanedir. Makine öğrenmesi ve Python deyince akla gelen ilk kütüphanedir </a:t>
             </a:r>
             <a:r>
               <a:rPr lang="tr-TR" dirty="0" err="1"/>
@@ -8348,12 +7968,8 @@
           <a:lstStyle/>
           <a:p>
             <a:r>
-              <a:rPr lang="tr-TR" b="1" dirty="0" err="1"/>
-              <a:t>StatsModels</a:t>
-            </a:r>
-            <a:r>
               <a:rPr lang="tr-TR" b="1" dirty="0"/>
-              <a:t> Kütüphanesi</a:t>
+              <a:t>StatsModels Kütüphanesi</a:t>
             </a:r>
             <a:br>
               <a:rPr lang="tr-TR" b="1" dirty="0"/>
@@ -8379,26 +7995,13 @@
           <a:p>
             <a:r>
               <a:rPr lang="tr-TR" dirty="0"/>
-              <a:t>İstatistiksel modelleri tahmin edip istatistiksel testler yapmayı sağlan bir </a:t>
-            </a:r>
-            <a:r>
-              <a:rPr lang="tr-TR" dirty="0" err="1"/>
-              <a:t>python</a:t>
-            </a:r>
-            <a:r>
-              <a:rPr lang="tr-TR" dirty="0"/>
-              <a:t> kütüphanesidir. </a:t>
-            </a:r>
-            <a:endParaRPr lang="tr-TR" dirty="0" smtClean="0"/>
-          </a:p>
-          <a:p>
-            <a:r>
-              <a:rPr lang="tr-TR" dirty="0" smtClean="0"/>
-              <a:t>Farklı </a:t>
-            </a:r>
-            <a:r>
-              <a:rPr lang="tr-TR" dirty="0"/>
-              <a:t>veri türleri işlemesi, geniş tanımlayıcı istatistik yapısı, çizim fonksiyonu ve sonuç istatistikleri listesi gibi çözümlerinden dolayı çokça tercih edilmektedir.</a:t>
+              <a:t>İstatistiksel modelleri tahmin edip istatistiksel testler yapmayı sağlan bir python kütüphanesidir. </a:t>
+            </a:r>
+          </a:p>
+          <a:p>
+            <a:r>
+              <a:rPr lang="tr-TR" dirty="0"/>
+              <a:t>Farklı veri türleri işlemesi, geniş tanımlayıcı istatistik yapısı, çizim fonksiyonu ve sonuç istatistikleri listesi gibi çözümlerinden dolayı çokça tercih edilmektedir.</a:t>
             </a:r>
             <a:br>
               <a:rPr lang="tr-TR" dirty="0"/>
@@ -8455,12 +8058,8 @@
           <a:lstStyle/>
           <a:p>
             <a:r>
-              <a:rPr lang="tr-TR" b="1" dirty="0" err="1"/>
-              <a:t>Pillow</a:t>
-            </a:r>
-            <a:r>
               <a:rPr lang="tr-TR" b="1" dirty="0"/>
-              <a:t> Kütüphanesi</a:t>
+              <a:t>Pillow Kütüphanesi</a:t>
             </a:r>
             <a:br>
               <a:rPr lang="tr-TR" b="1" dirty="0"/>
@@ -8485,12 +8084,8 @@
           <a:lstStyle/>
           <a:p>
             <a:r>
-              <a:rPr lang="tr-TR" b="1" dirty="0" err="1"/>
-              <a:t>Pythonun</a:t>
-            </a:r>
-            <a:r>
               <a:rPr lang="tr-TR" b="1" dirty="0"/>
-              <a:t> açık kaynak kodlu görsel kütüphanesidir</a:t>
+              <a:t>Pythonun açık kaynak kodlu görsel kütüphanesidir</a:t>
             </a:r>
             <a:r>
               <a:rPr lang="tr-TR" dirty="0"/>
@@ -8499,16 +8094,12 @@
             <a:br>
               <a:rPr lang="tr-TR" dirty="0"/>
             </a:br>
-            <a:endParaRPr lang="tr-TR" dirty="0" smtClean="0"/>
-          </a:p>
-          <a:p>
-            <a:r>
-              <a:rPr lang="tr-TR" dirty="0" smtClean="0"/>
-              <a:t>Grafik </a:t>
-            </a:r>
-            <a:r>
-              <a:rPr lang="tr-TR" dirty="0"/>
-              <a:t>işlemeden kasıt özelleşmiş çizimler, boyutlandırma ölçeklendirme işlemleri, renk değerlerini düzenleme vb. olarak </a:t>
+            <a:endParaRPr lang="tr-TR" dirty="0"/>
+          </a:p>
+          <a:p>
+            <a:r>
+              <a:rPr lang="tr-TR" dirty="0"/>
+              <a:t>Grafik işlemeden kasıt özelleşmiş çizimler, boyutlandırma ölçeklendirme işlemleri, renk değerlerini düzenleme vb. olarak </a:t>
             </a:r>
             <a:r>
               <a:rPr lang="tr-TR" dirty="0" err="1"/>
@@ -8573,12 +8164,8 @@
           <a:lstStyle/>
           <a:p>
             <a:r>
-              <a:rPr lang="tr-TR" b="1" dirty="0" err="1"/>
-              <a:t>MpMath</a:t>
-            </a:r>
-            <a:r>
               <a:rPr lang="tr-TR" b="1" dirty="0"/>
-              <a:t> Kütüphanesi</a:t>
+              <a:t>MpMath Kütüphanesi</a:t>
             </a:r>
             <a:br>
               <a:rPr lang="tr-TR" b="1" dirty="0"/>
@@ -8606,50 +8193,14 @@
           <a:lstStyle/>
           <a:p>
             <a:r>
-              <a:rPr lang="tr-TR" dirty="0" err="1"/>
-              <a:t>Middle</a:t>
-            </a:r>
-            <a:r>
-              <a:rPr lang="tr-TR" dirty="0"/>
-              <a:t> </a:t>
-            </a:r>
-            <a:r>
-              <a:rPr lang="tr-TR" dirty="0" err="1"/>
-              <a:t>point</a:t>
-            </a:r>
-            <a:r>
-              <a:rPr lang="tr-TR" dirty="0"/>
-              <a:t> </a:t>
-            </a:r>
-            <a:r>
-              <a:rPr lang="tr-TR" dirty="0" err="1"/>
-              <a:t>mathematic</a:t>
-            </a:r>
-            <a:r>
-              <a:rPr lang="tr-TR" dirty="0"/>
-              <a:t> yani orta nokta matematiği olarak isimlendirilen kütüphane adından anlaşılabileceği gibi </a:t>
-            </a:r>
-            <a:r>
-              <a:rPr lang="tr-TR" dirty="0" err="1"/>
-              <a:t>Pythonun</a:t>
-            </a:r>
-            <a:r>
-              <a:rPr lang="tr-TR" dirty="0"/>
-              <a:t> çeşitli matematiksel fonksiyonları barındıran kütüphanesidir</a:t>
-            </a:r>
-            <a:r>
-              <a:rPr lang="tr-TR" dirty="0" smtClean="0"/>
-              <a:t>.</a:t>
-            </a:r>
-          </a:p>
-          <a:p>
-            <a:r>
-              <a:rPr lang="tr-TR" dirty="0" smtClean="0"/>
-              <a:t> </a:t>
-            </a:r>
-            <a:r>
-              <a:rPr lang="tr-TR" dirty="0"/>
-              <a:t>Reel ve kompleks sayılarla hassas hesaplamalar yapmaya olanak tanır.</a:t>
+              <a:rPr lang="tr-TR" dirty="0"/>
+              <a:t>Middle point mathematic yani orta nokta matematiği olarak isimlendirilen kütüphane adından anlaşılabileceği gibi Pythonun çeşitli matematiksel fonksiyonları barındıran kütüphanesidir.</a:t>
+            </a:r>
+          </a:p>
+          <a:p>
+            <a:r>
+              <a:rPr lang="tr-TR" dirty="0"/>
+              <a:t> Reel ve kompleks sayılarla hassas hesaplamalar yapmaya olanak tanır.</a:t>
             </a:r>
             <a:br>
               <a:rPr lang="tr-TR" dirty="0"/>
@@ -8706,12 +8257,8 @@
           <a:lstStyle/>
           <a:p>
             <a:r>
-              <a:rPr lang="tr-TR" b="1" dirty="0" err="1"/>
-              <a:t>Gensim</a:t>
-            </a:r>
-            <a:r>
               <a:rPr lang="tr-TR" b="1" dirty="0"/>
-              <a:t> Kütüphanesi</a:t>
+              <a:t>Gensim Kütüphanesi</a:t>
             </a:r>
             <a:br>
               <a:rPr lang="tr-TR" b="1" dirty="0"/>
@@ -8799,12 +8346,8 @@
           <a:lstStyle/>
           <a:p>
             <a:r>
-              <a:rPr lang="tr-TR" b="1" dirty="0" err="1"/>
-              <a:t>Requests</a:t>
-            </a:r>
-            <a:r>
               <a:rPr lang="tr-TR" b="1" dirty="0"/>
-              <a:t> Kütüphanesi</a:t>
+              <a:t>Requests Kütüphanesi</a:t>
             </a:r>
             <a:br>
               <a:rPr lang="tr-TR" b="1" dirty="0"/>
@@ -8833,7 +8376,7 @@
               <a:t>Web üzerindeki isteklerinizi yönetmenizi sağlayan bir </a:t>
             </a:r>
             <a:r>
-              <a:rPr lang="tr-TR" b="1" i="1" dirty="0" err="1"/>
+              <a:rPr lang="tr-TR" b="1" i="1" dirty="0"/>
               <a:t>Python</a:t>
             </a:r>
             <a:r>
@@ -8897,12 +8440,8 @@
           <a:lstStyle/>
           <a:p>
             <a:r>
-              <a:rPr lang="tr-TR" b="1" dirty="0" err="1"/>
-              <a:t>Pyglet</a:t>
-            </a:r>
-            <a:r>
               <a:rPr lang="tr-TR" b="1" dirty="0"/>
-              <a:t> Kütüphanesi</a:t>
+              <a:t>Pyglet Kütüphanesi</a:t>
             </a:r>
             <a:br>
               <a:rPr lang="tr-TR" b="1" dirty="0"/>
@@ -8982,7 +8521,7 @@
           <a:lstStyle/>
           <a:p>
             <a:r>
-              <a:rPr lang="tr-TR" b="1" dirty="0" err="1" smtClean="0"/>
+              <a:rPr lang="tr-TR" b="1" dirty="0"/>
               <a:t>Anaconda</a:t>
             </a:r>
             <a:endParaRPr lang="tr-TR" dirty="0"/>
@@ -9011,31 +8550,15 @@
           </a:bodyPr>
           <a:lstStyle/>
           <a:p>
-            <a:endParaRPr lang="tr-TR" dirty="0" smtClean="0"/>
-          </a:p>
-          <a:p>
             <a:endParaRPr lang="tr-TR" dirty="0"/>
           </a:p>
           <a:p>
-            <a:r>
-              <a:rPr lang="tr-TR" dirty="0" err="1" smtClean="0"/>
-              <a:t>python</a:t>
-            </a:r>
-            <a:r>
-              <a:rPr lang="tr-TR" dirty="0" smtClean="0"/>
-              <a:t> </a:t>
-            </a:r>
-            <a:r>
-              <a:rPr lang="tr-TR" dirty="0"/>
-              <a:t>kütüphanelerini içerisinde yüklü olarak barındıran ayrıca R istatistiksel kodlama </a:t>
-            </a:r>
-            <a:r>
-              <a:rPr lang="tr-TR" dirty="0" err="1"/>
-              <a:t>programı,Orange</a:t>
-            </a:r>
-            <a:r>
-              <a:rPr lang="tr-TR" dirty="0"/>
-              <a:t>,… gibi programları da içinde bulunduran bir programdır. Kodlamaya yeni giriş yapmış veya </a:t>
+            <a:endParaRPr lang="tr-TR" dirty="0"/>
+          </a:p>
+          <a:p>
+            <a:r>
+              <a:rPr lang="tr-TR" dirty="0"/>
+              <a:t>python kütüphanelerini içerisinde yüklü olarak barındıran ayrıca R istatistiksel kodlama programı, Orange ,… gibi programları da içinde bulunduran bir programdır. Kodlamaya yeni giriş yapmış veya </a:t>
             </a:r>
             <a:r>
               <a:rPr lang="tr-TR" dirty="0" err="1"/>
@@ -9049,73 +8572,20 @@
           <a:p>
             <a:r>
               <a:rPr lang="tr-TR" dirty="0"/>
-              <a:t>Eğer diğer uygulamalarda çalışıyorsanız bu </a:t>
-            </a:r>
-            <a:r>
-              <a:rPr lang="tr-TR" dirty="0" err="1"/>
-              <a:t>python</a:t>
-            </a:r>
-            <a:r>
-              <a:rPr lang="tr-TR" dirty="0"/>
-              <a:t> kütüphanelerini kullanabilmek için öncelikle kütüphanenin yüklü olması gerekir yüklü değilse;</a:t>
-            </a:r>
-          </a:p>
-          <a:p>
-            <a:r>
-              <a:rPr lang="tr-TR" b="1" dirty="0" err="1"/>
-              <a:t>pip</a:t>
-            </a:r>
+              <a:t>Eğer diğer uygulamalarda çalışıyorsanız bu python kütüphanelerini kullanabilmek için öncelikle kütüphanenin yüklü olması gerekir yüklü değilse;</a:t>
+            </a:r>
+          </a:p>
+          <a:p>
             <a:r>
               <a:rPr lang="tr-TR" b="1" dirty="0"/>
-              <a:t> </a:t>
-            </a:r>
-            <a:r>
-              <a:rPr lang="tr-TR" b="1" dirty="0" err="1"/>
-              <a:t>install</a:t>
-            </a:r>
-            <a:r>
-              <a:rPr lang="tr-TR" b="1" dirty="0"/>
-              <a:t> kütüphane adı </a:t>
-            </a:r>
-          </a:p>
-          <a:p>
-            <a:r>
-              <a:rPr lang="tr-TR" dirty="0"/>
-              <a:t>İfadesini ekrana yazıp </a:t>
-            </a:r>
-            <a:r>
-              <a:rPr lang="tr-TR" dirty="0" err="1"/>
-              <a:t>run</a:t>
-            </a:r>
-            <a:r>
-              <a:rPr lang="tr-TR" dirty="0"/>
-              <a:t> ederek yükleyebilirsiniz</a:t>
-            </a:r>
-            <a:r>
-              <a:rPr lang="tr-TR"/>
-              <a:t>. </a:t>
-            </a:r>
-            <a:r>
-              <a:rPr lang="tr-TR" smtClean="0"/>
-              <a:t>Anaconda</a:t>
-            </a:r>
-            <a:r>
-              <a:rPr lang="tr-TR" dirty="0"/>
-              <a:t> programı kullanıyorsanız kütüphaneler yüklü olarak programda </a:t>
-            </a:r>
-            <a:r>
-              <a:rPr lang="tr-TR" dirty="0" err="1"/>
-              <a:t>mevcuttur.Yüklemeye</a:t>
-            </a:r>
-            <a:r>
-              <a:rPr lang="tr-TR" dirty="0"/>
-              <a:t> gerek yoktur</a:t>
-            </a:r>
-            <a:r>
-              <a:rPr lang="tr-TR" dirty="0" smtClean="0"/>
-              <a:t>.</a:t>
-            </a:r>
-            <a:endParaRPr lang="tr-TR" dirty="0"/>
+              <a:t>pip install kütüphane adı </a:t>
+            </a:r>
+          </a:p>
+          <a:p>
+            <a:r>
+              <a:rPr lang="tr-TR" dirty="0"/>
+              <a:t>İfadesini ekrana yazıp run ederek yükleyebilirsiniz. Anaconda programı kullanıyorsanız kütüphaneler yüklü olarak programda mevcuttur. Yüklemeye gerek yoktur.</a:t>
+            </a:r>
           </a:p>
           <a:p>
             <a:endParaRPr lang="tr-TR" dirty="0"/>
@@ -9168,12 +8638,8 @@
           <a:lstStyle/>
           <a:p>
             <a:r>
-              <a:rPr lang="tr-TR" b="1" dirty="0" err="1"/>
-              <a:t>Python</a:t>
-            </a:r>
-            <a:r>
               <a:rPr lang="tr-TR" b="1" dirty="0"/>
-              <a:t> Kullanım Alanları Nelerdir?</a:t>
+              <a:t>Python Kullanım Alanları Nelerdir?</a:t>
             </a:r>
             <a:br>
               <a:rPr lang="tr-TR" b="1" dirty="0"/>
@@ -9205,32 +8671,20 @@
           <a:lstStyle/>
           <a:p>
             <a:r>
-              <a:rPr lang="tr-TR" dirty="0" err="1"/>
-              <a:t>Python</a:t>
-            </a:r>
-            <a:r>
-              <a:rPr lang="tr-TR" dirty="0"/>
-              <a:t> ile oyun kodlayabilirsiniz.</a:t>
-            </a:r>
-          </a:p>
-          <a:p>
-            <a:r>
-              <a:rPr lang="tr-TR" dirty="0" err="1"/>
-              <a:t>Python</a:t>
-            </a:r>
-            <a:r>
-              <a:rPr lang="tr-TR" dirty="0"/>
-              <a:t> ile mobil uygulama geliştirip yazabilirsiniz. </a:t>
-            </a:r>
-          </a:p>
-          <a:p>
-            <a:r>
-              <a:rPr lang="tr-TR" b="1" dirty="0" err="1"/>
-              <a:t>Python</a:t>
-            </a:r>
+              <a:rPr lang="tr-TR" dirty="0"/>
+              <a:t>Python ile oyun kodlayabilirsiniz.</a:t>
+            </a:r>
+          </a:p>
+          <a:p>
+            <a:r>
+              <a:rPr lang="tr-TR" dirty="0"/>
+              <a:t>Python ile mobil uygulama geliştirip yazabilirsiniz. </a:t>
+            </a:r>
+          </a:p>
+          <a:p>
             <a:r>
               <a:rPr lang="tr-TR" b="1" dirty="0"/>
-              <a:t> </a:t>
+              <a:t>Python </a:t>
             </a:r>
             <a:r>
               <a:rPr lang="tr-TR" dirty="0"/>
@@ -9296,15 +8750,7 @@
           <a:p>
             <a:r>
               <a:rPr lang="tr-TR" dirty="0"/>
-              <a:t>Çeşitli amaçlar için özelleşmiş </a:t>
-            </a:r>
-            <a:r>
-              <a:rPr lang="tr-TR" dirty="0" err="1"/>
-              <a:t>python</a:t>
-            </a:r>
-            <a:r>
-              <a:rPr lang="tr-TR" dirty="0"/>
-              <a:t> kütüphanelerini kullanarak (görüntü ses işleme, veri işleme ,yapay zeka ,makina öğrenmesi </a:t>
+              <a:t>Çeşitli amaçlar için özelleşmiş python kütüphanelerini kullanarak (görüntü ses işleme, veri işleme ,yapay zeka ,makina öğrenmesi </a:t>
             </a:r>
             <a:r>
               <a:rPr lang="tr-TR" dirty="0" err="1"/>
@@ -9486,12 +8932,8 @@
           <a:p>
             <a:pPr lvl="1"/>
             <a:r>
-              <a:rPr lang="tr-TR" dirty="0" err="1"/>
-              <a:t>Tensorflow</a:t>
-            </a:r>
-            <a:r>
-              <a:rPr lang="tr-TR" dirty="0"/>
-              <a:t>, </a:t>
+              <a:rPr lang="tr-TR" dirty="0"/>
+              <a:t>Tensorflow, </a:t>
             </a:r>
             <a:r>
               <a:rPr lang="tr-TR" dirty="0" err="1"/>
@@ -9694,57 +9136,30 @@
           <a:lstStyle/>
           <a:p>
             <a:r>
-              <a:rPr lang="tr-TR" b="1" dirty="0" err="1" smtClean="0"/>
+              <a:rPr lang="tr-TR" b="1" dirty="0"/>
               <a:t>Python</a:t>
             </a:r>
             <a:r>
               <a:rPr lang="tr-TR" dirty="0"/>
-              <a:t> kütüphaneleri </a:t>
-            </a:r>
-            <a:r>
-              <a:rPr lang="tr-TR" dirty="0" smtClean="0"/>
-              <a:t>farklı </a:t>
-            </a:r>
-            <a:r>
-              <a:rPr lang="tr-TR" dirty="0"/>
-              <a:t>fonksiyonları gerçekleştirebilen , yazılım geliştirme amaçlı kullanılan kaynaklarıdır. </a:t>
-            </a:r>
-            <a:endParaRPr lang="tr-TR" dirty="0" smtClean="0"/>
-          </a:p>
-          <a:p>
-            <a:r>
-              <a:rPr lang="tr-TR" dirty="0" err="1" smtClean="0"/>
-              <a:t>Python</a:t>
-            </a:r>
-            <a:r>
-              <a:rPr lang="tr-TR" dirty="0" smtClean="0"/>
-              <a:t> </a:t>
-            </a:r>
-            <a:r>
-              <a:rPr lang="tr-TR" dirty="0"/>
-              <a:t>fazla sayıda kütüphaneye sahip çok fonksiyonlu bir yazılım dilidir. </a:t>
-            </a:r>
-            <a:endParaRPr lang="tr-TR" dirty="0" smtClean="0"/>
-          </a:p>
-          <a:p>
-            <a:r>
-              <a:rPr lang="tr-TR" dirty="0" smtClean="0"/>
-              <a:t>Her </a:t>
-            </a:r>
-            <a:r>
-              <a:rPr lang="tr-TR" dirty="0"/>
-              <a:t>biri oldukça yetenekli olan bu kütüphaneleri kullanmak istediğinizde gerekli kodla çağrılarak işlem yapabilirsiniz. </a:t>
-            </a:r>
-            <a:endParaRPr lang="tr-TR" dirty="0" smtClean="0"/>
-          </a:p>
-          <a:p>
-            <a:r>
-              <a:rPr lang="tr-TR" dirty="0" smtClean="0"/>
-              <a:t>Birden </a:t>
-            </a:r>
-            <a:r>
-              <a:rPr lang="tr-TR" dirty="0"/>
-              <a:t>fazla kütüphaneyi aynı anda çağırıp kullanmak da mümkündür. </a:t>
+              <a:t> kütüphaneleri farklı fonksiyonları gerçekleştirebilen , yazılım geliştirme amaçlı kullanılan kaynaklarıdır. </a:t>
+            </a:r>
+          </a:p>
+          <a:p>
+            <a:r>
+              <a:rPr lang="tr-TR" dirty="0"/>
+              <a:t>Python fazla sayıda kütüphaneye sahip çok fonksiyonlu bir yazılım dilidir. </a:t>
+            </a:r>
+          </a:p>
+          <a:p>
+            <a:r>
+              <a:rPr lang="tr-TR" dirty="0"/>
+              <a:t>Her biri oldukça yetenekli olan bu kütüphaneleri kullanmak istediğinizde gerekli kodla çağrılarak işlem yapabilirsiniz. </a:t>
+            </a:r>
+          </a:p>
+          <a:p>
+            <a:r>
+              <a:rPr lang="tr-TR" dirty="0"/>
+              <a:t>Birden fazla kütüphaneyi aynı anda çağırıp kullanmak da mümkündür. </a:t>
             </a:r>
           </a:p>
         </p:txBody>
@@ -9808,15 +9223,7 @@
             </a:r>
             <a:r>
               <a:rPr lang="tr-TR" b="1" dirty="0"/>
-              <a:t> </a:t>
-            </a:r>
-            <a:r>
-              <a:rPr lang="tr-TR" b="1" dirty="0" err="1"/>
-              <a:t>python</a:t>
-            </a:r>
-            <a:r>
-              <a:rPr lang="tr-TR" b="1" dirty="0"/>
-              <a:t>)</a:t>
+              <a:t> python)</a:t>
             </a:r>
             <a:br>
               <a:rPr lang="tr-TR" b="1" dirty="0"/>
@@ -9846,26 +9253,13 @@
             </a:r>
             <a:r>
               <a:rPr lang="tr-TR" dirty="0"/>
-              <a:t> bir </a:t>
-            </a:r>
-            <a:r>
-              <a:rPr lang="tr-TR" dirty="0" err="1"/>
-              <a:t>python</a:t>
-            </a:r>
-            <a:r>
-              <a:rPr lang="tr-TR" dirty="0"/>
-              <a:t> alt kabuğudur. </a:t>
-            </a:r>
-            <a:endParaRPr lang="tr-TR" dirty="0" smtClean="0"/>
-          </a:p>
-          <a:p>
-            <a:r>
-              <a:rPr lang="tr-TR" b="1" dirty="0" err="1" smtClean="0"/>
-              <a:t>Python</a:t>
-            </a:r>
+              <a:t> bir python alt kabuğudur. </a:t>
+            </a:r>
+          </a:p>
+          <a:p>
             <a:r>
               <a:rPr lang="tr-TR" b="1" dirty="0"/>
-              <a:t> </a:t>
+              <a:t>Python </a:t>
             </a:r>
             <a:r>
               <a:rPr lang="tr-TR" dirty="0"/>
@@ -9879,20 +9273,15 @@
               <a:rPr lang="tr-TR" dirty="0"/>
               <a:t> ile de gerçekleştirebilirsiniz. </a:t>
             </a:r>
-            <a:endParaRPr lang="tr-TR" dirty="0" smtClean="0"/>
-          </a:p>
-          <a:p>
-            <a:r>
-              <a:rPr lang="tr-TR" dirty="0" err="1" smtClean="0"/>
+          </a:p>
+          <a:p>
+            <a:r>
+              <a:rPr lang="tr-TR" dirty="0" err="1"/>
               <a:t>IPython</a:t>
             </a:r>
             <a:r>
-              <a:rPr lang="tr-TR" dirty="0" smtClean="0"/>
-              <a:t> </a:t>
-            </a:r>
-            <a:r>
-              <a:rPr lang="tr-TR" dirty="0"/>
-              <a:t>geliştirilerek </a:t>
+              <a:rPr lang="tr-TR" dirty="0"/>
+              <a:t> geliştirilerek </a:t>
             </a:r>
             <a:r>
               <a:rPr lang="tr-TR" dirty="0" err="1"/>
